--- a/documents/ABS Architechture.pptx
+++ b/documents/ABS Architechture.pptx
@@ -5,25 +5,24 @@
     <p:sldMasterId id="2147483696" r:id="rId1"/>
   </p:sldMasterIdLst>
   <p:notesMasterIdLst>
-    <p:notesMasterId r:id="rId18"/>
+    <p:notesMasterId r:id="rId17"/>
   </p:notesMasterIdLst>
   <p:sldIdLst>
     <p:sldId id="259" r:id="rId2"/>
     <p:sldId id="272" r:id="rId3"/>
     <p:sldId id="257" r:id="rId4"/>
-    <p:sldId id="273" r:id="rId5"/>
+    <p:sldId id="278" r:id="rId5"/>
     <p:sldId id="261" r:id="rId6"/>
     <p:sldId id="274" r:id="rId7"/>
-    <p:sldId id="269" r:id="rId8"/>
+    <p:sldId id="279" r:id="rId8"/>
     <p:sldId id="264" r:id="rId9"/>
     <p:sldId id="275" r:id="rId10"/>
-    <p:sldId id="270" r:id="rId11"/>
+    <p:sldId id="280" r:id="rId11"/>
     <p:sldId id="265" r:id="rId12"/>
     <p:sldId id="276" r:id="rId13"/>
-    <p:sldId id="271" r:id="rId14"/>
+    <p:sldId id="281" r:id="rId14"/>
     <p:sldId id="267" r:id="rId15"/>
     <p:sldId id="277" r:id="rId16"/>
-    <p:sldId id="258" r:id="rId17"/>
   </p:sldIdLst>
   <p:sldSz cx="21383625" cy="15119350"/>
   <p:notesSz cx="6858000" cy="9144000"/>
@@ -212,7 +211,7 @@
           <a:p>
             <a:fld id="{2CFA581C-F002-4E47-A9AD-162F21DC5D6A}" type="datetimeFigureOut">
               <a:rPr lang="en-US" smtClean="0"/>
-              <a:t>5/8/2020</a:t>
+              <a:t>5/11/2020</a:t>
             </a:fld>
             <a:endParaRPr lang="en-US"/>
           </a:p>
@@ -694,7 +693,7 @@
           <a:p>
             <a:fld id="{3790C9EB-C482-984F-ABF1-A6560E7D9120}" type="datetimeFigureOut">
               <a:rPr lang="en-US" smtClean="0"/>
-              <a:t>5/8/2020</a:t>
+              <a:t>5/11/2020</a:t>
             </a:fld>
             <a:endParaRPr lang="en-US"/>
           </a:p>
@@ -864,7 +863,7 @@
           <a:p>
             <a:fld id="{3790C9EB-C482-984F-ABF1-A6560E7D9120}" type="datetimeFigureOut">
               <a:rPr lang="en-US" smtClean="0"/>
-              <a:t>5/8/2020</a:t>
+              <a:t>5/11/2020</a:t>
             </a:fld>
             <a:endParaRPr lang="en-US"/>
           </a:p>
@@ -1044,7 +1043,7 @@
           <a:p>
             <a:fld id="{3790C9EB-C482-984F-ABF1-A6560E7D9120}" type="datetimeFigureOut">
               <a:rPr lang="en-US" smtClean="0"/>
-              <a:t>5/8/2020</a:t>
+              <a:t>5/11/2020</a:t>
             </a:fld>
             <a:endParaRPr lang="en-US"/>
           </a:p>
@@ -1256,7 +1255,7 @@
           <a:p>
             <a:fld id="{3790C9EB-C482-984F-ABF1-A6560E7D9120}" type="datetimeFigureOut">
               <a:rPr lang="en-US" smtClean="0"/>
-              <a:t>5/8/2020</a:t>
+              <a:t>5/11/2020</a:t>
             </a:fld>
             <a:endParaRPr lang="en-US"/>
           </a:p>
@@ -1507,7 +1506,7 @@
           <a:p>
             <a:fld id="{3790C9EB-C482-984F-ABF1-A6560E7D9120}" type="datetimeFigureOut">
               <a:rPr lang="en-US" smtClean="0"/>
-              <a:t>5/8/2020</a:t>
+              <a:t>5/11/2020</a:t>
             </a:fld>
             <a:endParaRPr lang="en-US"/>
           </a:p>
@@ -1739,7 +1738,7 @@
           <a:p>
             <a:fld id="{3790C9EB-C482-984F-ABF1-A6560E7D9120}" type="datetimeFigureOut">
               <a:rPr lang="en-US" smtClean="0"/>
-              <a:t>5/8/2020</a:t>
+              <a:t>5/11/2020</a:t>
             </a:fld>
             <a:endParaRPr lang="en-US"/>
           </a:p>
@@ -2106,7 +2105,7 @@
           <a:p>
             <a:fld id="{3790C9EB-C482-984F-ABF1-A6560E7D9120}" type="datetimeFigureOut">
               <a:rPr lang="en-US" smtClean="0"/>
-              <a:t>5/8/2020</a:t>
+              <a:t>5/11/2020</a:t>
             </a:fld>
             <a:endParaRPr lang="en-US"/>
           </a:p>
@@ -2224,7 +2223,7 @@
           <a:p>
             <a:fld id="{3790C9EB-C482-984F-ABF1-A6560E7D9120}" type="datetimeFigureOut">
               <a:rPr lang="en-US" smtClean="0"/>
-              <a:t>5/8/2020</a:t>
+              <a:t>5/11/2020</a:t>
             </a:fld>
             <a:endParaRPr lang="en-US"/>
           </a:p>
@@ -2319,7 +2318,7 @@
           <a:p>
             <a:fld id="{3790C9EB-C482-984F-ABF1-A6560E7D9120}" type="datetimeFigureOut">
               <a:rPr lang="en-US" smtClean="0"/>
-              <a:t>5/8/2020</a:t>
+              <a:t>5/11/2020</a:t>
             </a:fld>
             <a:endParaRPr lang="en-US"/>
           </a:p>
@@ -2596,7 +2595,7 @@
           <a:p>
             <a:fld id="{3790C9EB-C482-984F-ABF1-A6560E7D9120}" type="datetimeFigureOut">
               <a:rPr lang="en-US" smtClean="0"/>
-              <a:t>5/8/2020</a:t>
+              <a:t>5/11/2020</a:t>
             </a:fld>
             <a:endParaRPr lang="en-US"/>
           </a:p>
@@ -2853,7 +2852,7 @@
           <a:p>
             <a:fld id="{3790C9EB-C482-984F-ABF1-A6560E7D9120}" type="datetimeFigureOut">
               <a:rPr lang="en-US" smtClean="0"/>
-              <a:t>5/8/2020</a:t>
+              <a:t>5/11/2020</a:t>
             </a:fld>
             <a:endParaRPr lang="en-US"/>
           </a:p>
@@ -3066,7 +3065,7 @@
           <a:p>
             <a:fld id="{3790C9EB-C482-984F-ABF1-A6560E7D9120}" type="datetimeFigureOut">
               <a:rPr lang="en-US" smtClean="0"/>
-              <a:t>5/8/2020</a:t>
+              <a:t>5/11/2020</a:t>
             </a:fld>
             <a:endParaRPr lang="en-US"/>
           </a:p>
@@ -3657,14 +3656,14 @@
   <p:clrMapOvr>
     <a:masterClrMapping/>
   </p:clrMapOvr>
-  <mc:AlternateContent xmlns:mc="http://schemas.openxmlformats.org/markup-compatibility/2006" xmlns:p14="http://schemas.microsoft.com/office/powerpoint/2010/main">
-    <mc:Choice Requires="p14">
-      <p:transition spd="med" p14:dur="700" advTm="3000">
+  <mc:AlternateContent xmlns:mc="http://schemas.openxmlformats.org/markup-compatibility/2006">
+    <mc:Choice xmlns:p14="http://schemas.microsoft.com/office/powerpoint/2010/main" Requires="p14">
+      <p:transition spd="med" p14:dur="700" advTm="1915">
         <p:fade/>
       </p:transition>
     </mc:Choice>
-    <mc:Fallback xmlns="">
-      <p:transition spd="med" advTm="3000">
+    <mc:Fallback>
+      <p:transition spd="med" advTm="1915">
         <p:fade/>
       </p:transition>
     </mc:Fallback>
@@ -3672,91 +3671,9 @@
   <p:timing>
     <p:tnLst>
       <p:par>
-        <p:cTn id="1" dur="indefinite" restart="never" nodeType="tmRoot">
-          <p:childTnLst>
-            <p:seq concurrent="1" nextAc="seek">
-              <p:cTn id="2" dur="indefinite" nodeType="mainSeq">
-                <p:childTnLst>
-                  <p:par>
-                    <p:cTn id="3" fill="hold">
-                      <p:stCondLst>
-                        <p:cond delay="indefinite"/>
-                        <p:cond evt="onBegin" delay="0">
-                          <p:tn val="2"/>
-                        </p:cond>
-                      </p:stCondLst>
-                      <p:childTnLst>
-                        <p:par>
-                          <p:cTn id="4" fill="hold">
-                            <p:stCondLst>
-                              <p:cond delay="0"/>
-                            </p:stCondLst>
-                            <p:childTnLst>
-                              <p:par>
-                                <p:cTn id="5" presetID="5" presetClass="entr" presetSubtype="10" fill="hold" grpId="0" nodeType="afterEffect">
-                                  <p:stCondLst>
-                                    <p:cond delay="0"/>
-                                  </p:stCondLst>
-                                  <p:childTnLst>
-                                    <p:set>
-                                      <p:cBhvr>
-                                        <p:cTn id="6" dur="1" fill="hold">
-                                          <p:stCondLst>
-                                            <p:cond delay="0"/>
-                                          </p:stCondLst>
-                                        </p:cTn>
-                                        <p:tgtEl>
-                                          <p:spTgt spid="17"/>
-                                        </p:tgtEl>
-                                        <p:attrNameLst>
-                                          <p:attrName>style.visibility</p:attrName>
-                                        </p:attrNameLst>
-                                      </p:cBhvr>
-                                      <p:to>
-                                        <p:strVal val="visible"/>
-                                      </p:to>
-                                    </p:set>
-                                    <p:animEffect transition="in" filter="checkerboard(across)">
-                                      <p:cBhvr>
-                                        <p:cTn id="7" dur="500"/>
-                                        <p:tgtEl>
-                                          <p:spTgt spid="17"/>
-                                        </p:tgtEl>
-                                      </p:cBhvr>
-                                    </p:animEffect>
-                                  </p:childTnLst>
-                                </p:cTn>
-                              </p:par>
-                            </p:childTnLst>
-                          </p:cTn>
-                        </p:par>
-                      </p:childTnLst>
-                    </p:cTn>
-                  </p:par>
-                </p:childTnLst>
-              </p:cTn>
-              <p:prevCondLst>
-                <p:cond evt="onPrev" delay="0">
-                  <p:tgtEl>
-                    <p:sldTgt/>
-                  </p:tgtEl>
-                </p:cond>
-              </p:prevCondLst>
-              <p:nextCondLst>
-                <p:cond evt="onNext" delay="0">
-                  <p:tgtEl>
-                    <p:sldTgt/>
-                  </p:tgtEl>
-                </p:cond>
-              </p:nextCondLst>
-            </p:seq>
-          </p:childTnLst>
-        </p:cTn>
+        <p:cTn id="1" dur="indefinite" restart="never" nodeType="tmRoot"/>
       </p:par>
     </p:tnLst>
-    <p:bldLst>
-      <p:bldP spid="17" grpId="0"/>
-    </p:bldLst>
   </p:timing>
 </p:sld>
 </file>
@@ -3788,8 +3705,8 @@
         </p:nvSpPr>
         <p:spPr bwMode="auto">
           <a:xfrm>
-            <a:off x="5691199" y="7189860"/>
-            <a:ext cx="9861722" cy="830997"/>
+            <a:off x="5691199" y="6808860"/>
+            <a:ext cx="9861722" cy="738664"/>
           </a:xfrm>
           <a:prstGeom prst="rect">
             <a:avLst/>
@@ -3829,13 +3746,13 @@
               <a:defRPr/>
             </a:pPr>
             <a:r>
-              <a:rPr lang="en-US" sz="5400" b="1" dirty="0">
+              <a:rPr lang="en-US" sz="4800" b="1" dirty="0">
                 <a:latin typeface="Arial" panose="020B0604020202020204" pitchFamily="34" charset="0"/>
                 <a:cs typeface="Arial" panose="020B0604020202020204" pitchFamily="34" charset="0"/>
               </a:rPr>
               <a:t>Redeem Token (ABS system)</a:t>
             </a:r>
-            <a:endParaRPr lang="en-US" altLang="zh-CN" sz="4911" b="1" dirty="0">
+            <a:endParaRPr lang="en-US" altLang="zh-CN" sz="4800" b="1" dirty="0">
               <a:solidFill>
                 <a:srgbClr val="3B3B3B"/>
               </a:solidFill>
@@ -3855,7 +3772,7 @@
         </p:nvSpPr>
         <p:spPr>
           <a:xfrm>
-            <a:off x="10140735" y="5827612"/>
+            <a:off x="10140735" y="5732362"/>
             <a:ext cx="1069008" cy="923330"/>
           </a:xfrm>
           <a:prstGeom prst="rect">
@@ -3904,7 +3821,7 @@
     </p:spTree>
     <p:extLst>
       <p:ext uri="{BB962C8B-B14F-4D97-AF65-F5344CB8AC3E}">
-        <p14:creationId xmlns:p14="http://schemas.microsoft.com/office/powerpoint/2010/main" val="2666417835"/>
+        <p14:creationId xmlns:p14="http://schemas.microsoft.com/office/powerpoint/2010/main" val="4219594102"/>
       </p:ext>
     </p:extLst>
   </p:cSld>
@@ -3926,191 +3843,9 @@
   <p:timing>
     <p:tnLst>
       <p:par>
-        <p:cTn id="1" dur="indefinite" restart="never" nodeType="tmRoot">
-          <p:childTnLst>
-            <p:seq concurrent="1" nextAc="seek">
-              <p:cTn id="2" dur="indefinite" nodeType="mainSeq">
-                <p:childTnLst>
-                  <p:par>
-                    <p:cTn id="3" fill="hold">
-                      <p:stCondLst>
-                        <p:cond delay="indefinite"/>
-                        <p:cond evt="onBegin" delay="0">
-                          <p:tn val="2"/>
-                        </p:cond>
-                      </p:stCondLst>
-                      <p:childTnLst>
-                        <p:par>
-                          <p:cTn id="4" fill="hold">
-                            <p:stCondLst>
-                              <p:cond delay="0"/>
-                            </p:stCondLst>
-                            <p:childTnLst>
-                              <p:par>
-                                <p:cTn id="5" presetID="56" presetClass="entr" presetSubtype="0" fill="hold" grpId="0" nodeType="afterEffect">
-                                  <p:stCondLst>
-                                    <p:cond delay="0"/>
-                                  </p:stCondLst>
-                                  <p:iterate type="lt">
-                                    <p:tmPct val="10000"/>
-                                  </p:iterate>
-                                  <p:childTnLst>
-                                    <p:set>
-                                      <p:cBhvr>
-                                        <p:cTn id="6" dur="1" fill="hold">
-                                          <p:stCondLst>
-                                            <p:cond delay="0"/>
-                                          </p:stCondLst>
-                                        </p:cTn>
-                                        <p:tgtEl>
-                                          <p:spTgt spid="2"/>
-                                        </p:tgtEl>
-                                        <p:attrNameLst>
-                                          <p:attrName>style.visibility</p:attrName>
-                                        </p:attrNameLst>
-                                      </p:cBhvr>
-                                      <p:to>
-                                        <p:strVal val="visible"/>
-                                      </p:to>
-                                    </p:set>
-                                    <p:anim by="(-#ppt_w*2)" calcmode="lin" valueType="num">
-                                      <p:cBhvr rctx="PPT">
-                                        <p:cTn id="7" dur="500" autoRev="1" fill="hold">
-                                          <p:stCondLst>
-                                            <p:cond delay="0"/>
-                                          </p:stCondLst>
-                                        </p:cTn>
-                                        <p:tgtEl>
-                                          <p:spTgt spid="2"/>
-                                        </p:tgtEl>
-                                        <p:attrNameLst>
-                                          <p:attrName>ppt_w</p:attrName>
-                                        </p:attrNameLst>
-                                      </p:cBhvr>
-                                    </p:anim>
-                                    <p:anim by="(#ppt_w*0.50)" calcmode="lin" valueType="num">
-                                      <p:cBhvr>
-                                        <p:cTn id="8" dur="500" decel="50000" autoRev="1" fill="hold">
-                                          <p:stCondLst>
-                                            <p:cond delay="0"/>
-                                          </p:stCondLst>
-                                        </p:cTn>
-                                        <p:tgtEl>
-                                          <p:spTgt spid="2"/>
-                                        </p:tgtEl>
-                                        <p:attrNameLst>
-                                          <p:attrName>ppt_x</p:attrName>
-                                        </p:attrNameLst>
-                                      </p:cBhvr>
-                                    </p:anim>
-                                    <p:anim from="(-#ppt_h/2)" to="(#ppt_y)" calcmode="lin" valueType="num">
-                                      <p:cBhvr>
-                                        <p:cTn id="9" dur="1000" fill="hold">
-                                          <p:stCondLst>
-                                            <p:cond delay="0"/>
-                                          </p:stCondLst>
-                                        </p:cTn>
-                                        <p:tgtEl>
-                                          <p:spTgt spid="2"/>
-                                        </p:tgtEl>
-                                        <p:attrNameLst>
-                                          <p:attrName>ppt_y</p:attrName>
-                                        </p:attrNameLst>
-                                      </p:cBhvr>
-                                    </p:anim>
-                                    <p:animRot by="21600000">
-                                      <p:cBhvr>
-                                        <p:cTn id="10" dur="1000" fill="hold">
-                                          <p:stCondLst>
-                                            <p:cond delay="0"/>
-                                          </p:stCondLst>
-                                        </p:cTn>
-                                        <p:tgtEl>
-                                          <p:spTgt spid="2"/>
-                                        </p:tgtEl>
-                                        <p:attrNameLst>
-                                          <p:attrName>r</p:attrName>
-                                        </p:attrNameLst>
-                                      </p:cBhvr>
-                                    </p:animRot>
-                                  </p:childTnLst>
-                                </p:cTn>
-                              </p:par>
-                            </p:childTnLst>
-                          </p:cTn>
-                        </p:par>
-                        <p:par>
-                          <p:cTn id="11" fill="hold">
-                            <p:stCondLst>
-                              <p:cond delay="3100"/>
-                            </p:stCondLst>
-                            <p:childTnLst>
-                              <p:par>
-                                <p:cTn id="12" presetID="14" presetClass="entr" presetSubtype="10" fill="hold" grpId="0" nodeType="afterEffect">
-                                  <p:stCondLst>
-                                    <p:cond delay="0"/>
-                                  </p:stCondLst>
-                                  <p:childTnLst>
-                                    <p:set>
-                                      <p:cBhvr>
-                                        <p:cTn id="13" dur="1" fill="hold">
-                                          <p:stCondLst>
-                                            <p:cond delay="0"/>
-                                          </p:stCondLst>
-                                        </p:cTn>
-                                        <p:tgtEl>
-                                          <p:spTgt spid="3"/>
-                                        </p:tgtEl>
-                                        <p:attrNameLst>
-                                          <p:attrName>style.visibility</p:attrName>
-                                        </p:attrNameLst>
-                                      </p:cBhvr>
-                                      <p:to>
-                                        <p:strVal val="visible"/>
-                                      </p:to>
-                                    </p:set>
-                                    <p:animEffect transition="in" filter="randombar(horizontal)">
-                                      <p:cBhvr>
-                                        <p:cTn id="14" dur="500"/>
-                                        <p:tgtEl>
-                                          <p:spTgt spid="3"/>
-                                        </p:tgtEl>
-                                      </p:cBhvr>
-                                    </p:animEffect>
-                                  </p:childTnLst>
-                                </p:cTn>
-                              </p:par>
-                            </p:childTnLst>
-                          </p:cTn>
-                        </p:par>
-                      </p:childTnLst>
-                    </p:cTn>
-                  </p:par>
-                </p:childTnLst>
-              </p:cTn>
-              <p:prevCondLst>
-                <p:cond evt="onPrev" delay="0">
-                  <p:tgtEl>
-                    <p:sldTgt/>
-                  </p:tgtEl>
-                </p:cond>
-              </p:prevCondLst>
-              <p:nextCondLst>
-                <p:cond evt="onNext" delay="0">
-                  <p:tgtEl>
-                    <p:sldTgt/>
-                  </p:tgtEl>
-                </p:cond>
-              </p:nextCondLst>
-            </p:seq>
-          </p:childTnLst>
-        </p:cTn>
+        <p:cTn id="1" dur="indefinite" restart="never" nodeType="tmRoot"/>
       </p:par>
     </p:tnLst>
-    <p:bldLst>
-      <p:bldP spid="2" grpId="0"/>
-      <p:bldP spid="3" grpId="0"/>
-    </p:bldLst>
   </p:timing>
 </p:sld>
 </file>
@@ -6808,8 +6543,8 @@
         </p:nvSpPr>
         <p:spPr bwMode="auto">
           <a:xfrm>
-            <a:off x="5691198" y="6980310"/>
-            <a:ext cx="10958501" cy="830997"/>
+            <a:off x="5691199" y="6808860"/>
+            <a:ext cx="9861722" cy="738664"/>
           </a:xfrm>
           <a:prstGeom prst="rect">
             <a:avLst/>
@@ -6849,55 +6584,55 @@
               <a:defRPr/>
             </a:pPr>
             <a:r>
-              <a:rPr lang="en-US" sz="5400" b="1" dirty="0">
+              <a:rPr lang="en-US" sz="4800" b="1" dirty="0">
                 <a:latin typeface="Arial" panose="020B0604020202020204" pitchFamily="34" charset="0"/>
                 <a:cs typeface="Arial" panose="020B0604020202020204" pitchFamily="34" charset="0"/>
               </a:rPr>
               <a:t>Redeem Token (</a:t>
             </a:r>
             <a:r>
-              <a:rPr lang="en-US" sz="5400" b="1" dirty="0" err="1">
+              <a:rPr lang="en-US" sz="4800" b="1" dirty="0" err="1">
                 <a:latin typeface="Arial" panose="020B0604020202020204" pitchFamily="34" charset="0"/>
                 <a:cs typeface="Arial" panose="020B0604020202020204" pitchFamily="34" charset="0"/>
               </a:rPr>
               <a:t>Sàn</a:t>
             </a:r>
             <a:r>
-              <a:rPr lang="en-US" sz="5400" b="1" dirty="0">
-                <a:latin typeface="Arial" panose="020B0604020202020204" pitchFamily="34" charset="0"/>
-                <a:cs typeface="Arial" panose="020B0604020202020204" pitchFamily="34" charset="0"/>
-              </a:rPr>
-              <a:t> </a:t>
-            </a:r>
-            <a:r>
-              <a:rPr lang="en-US" sz="5400" b="1" dirty="0" err="1">
+              <a:rPr lang="en-US" sz="4800" b="1" dirty="0">
+                <a:latin typeface="Arial" panose="020B0604020202020204" pitchFamily="34" charset="0"/>
+                <a:cs typeface="Arial" panose="020B0604020202020204" pitchFamily="34" charset="0"/>
+              </a:rPr>
+              <a:t> </a:t>
+            </a:r>
+            <a:r>
+              <a:rPr lang="en-US" sz="4800" b="1" dirty="0" err="1">
                 <a:latin typeface="Arial" panose="020B0604020202020204" pitchFamily="34" charset="0"/>
                 <a:cs typeface="Arial" panose="020B0604020202020204" pitchFamily="34" charset="0"/>
               </a:rPr>
               <a:t>Giao</a:t>
             </a:r>
             <a:r>
-              <a:rPr lang="en-US" sz="5400" b="1" dirty="0">
-                <a:latin typeface="Arial" panose="020B0604020202020204" pitchFamily="34" charset="0"/>
-                <a:cs typeface="Arial" panose="020B0604020202020204" pitchFamily="34" charset="0"/>
-              </a:rPr>
-              <a:t> </a:t>
-            </a:r>
-            <a:r>
-              <a:rPr lang="en-US" sz="5400" b="1" dirty="0" err="1">
+              <a:rPr lang="en-US" sz="4800" b="1" dirty="0">
+                <a:latin typeface="Arial" panose="020B0604020202020204" pitchFamily="34" charset="0"/>
+                <a:cs typeface="Arial" panose="020B0604020202020204" pitchFamily="34" charset="0"/>
+              </a:rPr>
+              <a:t> </a:t>
+            </a:r>
+            <a:r>
+              <a:rPr lang="en-US" sz="4800" b="1" dirty="0" err="1">
                 <a:latin typeface="Arial" panose="020B0604020202020204" pitchFamily="34" charset="0"/>
                 <a:cs typeface="Arial" panose="020B0604020202020204" pitchFamily="34" charset="0"/>
               </a:rPr>
               <a:t>dịch</a:t>
             </a:r>
             <a:r>
-              <a:rPr lang="en-US" sz="5400" b="1" dirty="0">
+              <a:rPr lang="en-US" sz="4800" b="1" dirty="0">
                 <a:latin typeface="Arial" panose="020B0604020202020204" pitchFamily="34" charset="0"/>
                 <a:cs typeface="Arial" panose="020B0604020202020204" pitchFamily="34" charset="0"/>
               </a:rPr>
               <a:t>)</a:t>
             </a:r>
-            <a:endParaRPr lang="en-US" altLang="zh-CN" sz="4911" b="1" dirty="0">
+            <a:endParaRPr lang="en-US" altLang="zh-CN" sz="4800" b="1" dirty="0">
               <a:solidFill>
                 <a:srgbClr val="3B3B3B"/>
               </a:solidFill>
@@ -6917,7 +6652,7 @@
         </p:nvSpPr>
         <p:spPr>
           <a:xfrm>
-            <a:off x="10140735" y="5827612"/>
+            <a:off x="10140735" y="5732362"/>
             <a:ext cx="1069008" cy="923330"/>
           </a:xfrm>
           <a:prstGeom prst="rect">
@@ -6966,7 +6701,7 @@
     </p:spTree>
     <p:extLst>
       <p:ext uri="{BB962C8B-B14F-4D97-AF65-F5344CB8AC3E}">
-        <p14:creationId xmlns:p14="http://schemas.microsoft.com/office/powerpoint/2010/main" val="3941940472"/>
+        <p14:creationId xmlns:p14="http://schemas.microsoft.com/office/powerpoint/2010/main" val="1011346108"/>
       </p:ext>
     </p:extLst>
   </p:cSld>
@@ -6988,191 +6723,9 @@
   <p:timing>
     <p:tnLst>
       <p:par>
-        <p:cTn id="1" dur="indefinite" restart="never" nodeType="tmRoot">
-          <p:childTnLst>
-            <p:seq concurrent="1" nextAc="seek">
-              <p:cTn id="2" dur="indefinite" nodeType="mainSeq">
-                <p:childTnLst>
-                  <p:par>
-                    <p:cTn id="3" fill="hold">
-                      <p:stCondLst>
-                        <p:cond delay="indefinite"/>
-                        <p:cond evt="onBegin" delay="0">
-                          <p:tn val="2"/>
-                        </p:cond>
-                      </p:stCondLst>
-                      <p:childTnLst>
-                        <p:par>
-                          <p:cTn id="4" fill="hold">
-                            <p:stCondLst>
-                              <p:cond delay="0"/>
-                            </p:stCondLst>
-                            <p:childTnLst>
-                              <p:par>
-                                <p:cTn id="5" presetID="56" presetClass="entr" presetSubtype="0" fill="hold" grpId="0" nodeType="afterEffect">
-                                  <p:stCondLst>
-                                    <p:cond delay="0"/>
-                                  </p:stCondLst>
-                                  <p:iterate type="lt">
-                                    <p:tmPct val="10000"/>
-                                  </p:iterate>
-                                  <p:childTnLst>
-                                    <p:set>
-                                      <p:cBhvr>
-                                        <p:cTn id="6" dur="1" fill="hold">
-                                          <p:stCondLst>
-                                            <p:cond delay="0"/>
-                                          </p:stCondLst>
-                                        </p:cTn>
-                                        <p:tgtEl>
-                                          <p:spTgt spid="2"/>
-                                        </p:tgtEl>
-                                        <p:attrNameLst>
-                                          <p:attrName>style.visibility</p:attrName>
-                                        </p:attrNameLst>
-                                      </p:cBhvr>
-                                      <p:to>
-                                        <p:strVal val="visible"/>
-                                      </p:to>
-                                    </p:set>
-                                    <p:anim by="(-#ppt_w*2)" calcmode="lin" valueType="num">
-                                      <p:cBhvr rctx="PPT">
-                                        <p:cTn id="7" dur="500" autoRev="1" fill="hold">
-                                          <p:stCondLst>
-                                            <p:cond delay="0"/>
-                                          </p:stCondLst>
-                                        </p:cTn>
-                                        <p:tgtEl>
-                                          <p:spTgt spid="2"/>
-                                        </p:tgtEl>
-                                        <p:attrNameLst>
-                                          <p:attrName>ppt_w</p:attrName>
-                                        </p:attrNameLst>
-                                      </p:cBhvr>
-                                    </p:anim>
-                                    <p:anim by="(#ppt_w*0.50)" calcmode="lin" valueType="num">
-                                      <p:cBhvr>
-                                        <p:cTn id="8" dur="500" decel="50000" autoRev="1" fill="hold">
-                                          <p:stCondLst>
-                                            <p:cond delay="0"/>
-                                          </p:stCondLst>
-                                        </p:cTn>
-                                        <p:tgtEl>
-                                          <p:spTgt spid="2"/>
-                                        </p:tgtEl>
-                                        <p:attrNameLst>
-                                          <p:attrName>ppt_x</p:attrName>
-                                        </p:attrNameLst>
-                                      </p:cBhvr>
-                                    </p:anim>
-                                    <p:anim from="(-#ppt_h/2)" to="(#ppt_y)" calcmode="lin" valueType="num">
-                                      <p:cBhvr>
-                                        <p:cTn id="9" dur="1000" fill="hold">
-                                          <p:stCondLst>
-                                            <p:cond delay="0"/>
-                                          </p:stCondLst>
-                                        </p:cTn>
-                                        <p:tgtEl>
-                                          <p:spTgt spid="2"/>
-                                        </p:tgtEl>
-                                        <p:attrNameLst>
-                                          <p:attrName>ppt_y</p:attrName>
-                                        </p:attrNameLst>
-                                      </p:cBhvr>
-                                    </p:anim>
-                                    <p:animRot by="21600000">
-                                      <p:cBhvr>
-                                        <p:cTn id="10" dur="1000" fill="hold">
-                                          <p:stCondLst>
-                                            <p:cond delay="0"/>
-                                          </p:stCondLst>
-                                        </p:cTn>
-                                        <p:tgtEl>
-                                          <p:spTgt spid="2"/>
-                                        </p:tgtEl>
-                                        <p:attrNameLst>
-                                          <p:attrName>r</p:attrName>
-                                        </p:attrNameLst>
-                                      </p:cBhvr>
-                                    </p:animRot>
-                                  </p:childTnLst>
-                                </p:cTn>
-                              </p:par>
-                            </p:childTnLst>
-                          </p:cTn>
-                        </p:par>
-                        <p:par>
-                          <p:cTn id="11" fill="hold">
-                            <p:stCondLst>
-                              <p:cond delay="3300"/>
-                            </p:stCondLst>
-                            <p:childTnLst>
-                              <p:par>
-                                <p:cTn id="12" presetID="14" presetClass="entr" presetSubtype="10" fill="hold" grpId="0" nodeType="afterEffect">
-                                  <p:stCondLst>
-                                    <p:cond delay="0"/>
-                                  </p:stCondLst>
-                                  <p:childTnLst>
-                                    <p:set>
-                                      <p:cBhvr>
-                                        <p:cTn id="13" dur="1" fill="hold">
-                                          <p:stCondLst>
-                                            <p:cond delay="0"/>
-                                          </p:stCondLst>
-                                        </p:cTn>
-                                        <p:tgtEl>
-                                          <p:spTgt spid="3"/>
-                                        </p:tgtEl>
-                                        <p:attrNameLst>
-                                          <p:attrName>style.visibility</p:attrName>
-                                        </p:attrNameLst>
-                                      </p:cBhvr>
-                                      <p:to>
-                                        <p:strVal val="visible"/>
-                                      </p:to>
-                                    </p:set>
-                                    <p:animEffect transition="in" filter="randombar(horizontal)">
-                                      <p:cBhvr>
-                                        <p:cTn id="14" dur="500"/>
-                                        <p:tgtEl>
-                                          <p:spTgt spid="3"/>
-                                        </p:tgtEl>
-                                      </p:cBhvr>
-                                    </p:animEffect>
-                                  </p:childTnLst>
-                                </p:cTn>
-                              </p:par>
-                            </p:childTnLst>
-                          </p:cTn>
-                        </p:par>
-                      </p:childTnLst>
-                    </p:cTn>
-                  </p:par>
-                </p:childTnLst>
-              </p:cTn>
-              <p:prevCondLst>
-                <p:cond evt="onPrev" delay="0">
-                  <p:tgtEl>
-                    <p:sldTgt/>
-                  </p:tgtEl>
-                </p:cond>
-              </p:prevCondLst>
-              <p:nextCondLst>
-                <p:cond evt="onNext" delay="0">
-                  <p:tgtEl>
-                    <p:sldTgt/>
-                  </p:tgtEl>
-                </p:cond>
-              </p:nextCondLst>
-            </p:seq>
-          </p:childTnLst>
-        </p:cTn>
+        <p:cTn id="1" dur="indefinite" restart="never" nodeType="tmRoot"/>
       </p:par>
     </p:tnLst>
-    <p:bldLst>
-      <p:bldP spid="2" grpId="0"/>
-      <p:bldP spid="3" grpId="0"/>
-    </p:bldLst>
   </p:timing>
 </p:sld>
 </file>
@@ -9493,81 +9046,6 @@
 </p:sld>
 </file>
 
-<file path=ppt/slides/slide16.xml><?xml version="1.0" encoding="utf-8"?>
-<p:sld xmlns:a="http://schemas.openxmlformats.org/drawingml/2006/main" xmlns:r="http://schemas.openxmlformats.org/officeDocument/2006/relationships" xmlns:p="http://schemas.openxmlformats.org/presentationml/2006/main">
-  <p:cSld>
-    <p:spTree>
-      <p:nvGrpSpPr>
-        <p:cNvPr id="1" name=""/>
-        <p:cNvGrpSpPr/>
-        <p:nvPr/>
-      </p:nvGrpSpPr>
-      <p:grpSpPr>
-        <a:xfrm>
-          <a:off x="0" y="0"/>
-          <a:ext cx="0" cy="0"/>
-          <a:chOff x="0" y="0"/>
-          <a:chExt cx="0" cy="0"/>
-        </a:xfrm>
-      </p:grpSpPr>
-      <p:sp>
-        <p:nvSpPr>
-          <p:cNvPr id="2" name="Title 1"/>
-          <p:cNvSpPr>
-            <a:spLocks noGrp="1"/>
-          </p:cNvSpPr>
-          <p:nvPr>
-            <p:ph type="title"/>
-          </p:nvPr>
-        </p:nvSpPr>
-        <p:spPr/>
-        <p:txBody>
-          <a:bodyPr/>
-          <a:lstStyle/>
-          <a:p>
-            <a:endParaRPr lang="en-US"/>
-          </a:p>
-        </p:txBody>
-      </p:sp>
-      <p:sp>
-        <p:nvSpPr>
-          <p:cNvPr id="3" name="Content Placeholder 2"/>
-          <p:cNvSpPr>
-            <a:spLocks noGrp="1"/>
-          </p:cNvSpPr>
-          <p:nvPr>
-            <p:ph idx="1"/>
-          </p:nvPr>
-        </p:nvSpPr>
-        <p:spPr/>
-        <p:txBody>
-          <a:bodyPr/>
-          <a:lstStyle/>
-          <a:p>
-            <a:endParaRPr lang="en-US" dirty="0"/>
-          </a:p>
-        </p:txBody>
-      </p:sp>
-    </p:spTree>
-    <p:extLst>
-      <p:ext uri="{BB962C8B-B14F-4D97-AF65-F5344CB8AC3E}">
-        <p14:creationId xmlns:p14="http://schemas.microsoft.com/office/powerpoint/2010/main" val="1726017481"/>
-      </p:ext>
-    </p:extLst>
-  </p:cSld>
-  <p:clrMapOvr>
-    <a:masterClrMapping/>
-  </p:clrMapOvr>
-  <p:timing>
-    <p:tnLst>
-      <p:par>
-        <p:cTn id="1" dur="indefinite" restart="never" nodeType="tmRoot"/>
-      </p:par>
-    </p:tnLst>
-  </p:timing>
-</p:sld>
-</file>
-
 <file path=ppt/slides/slide2.xml><?xml version="1.0" encoding="utf-8"?>
 <p:sld xmlns:a="http://schemas.openxmlformats.org/drawingml/2006/main" xmlns:r="http://schemas.openxmlformats.org/officeDocument/2006/relationships" xmlns:p="http://schemas.openxmlformats.org/presentationml/2006/main">
   <p:cSld>
@@ -9595,7 +9073,7 @@
         </p:nvSpPr>
         <p:spPr bwMode="auto">
           <a:xfrm>
-            <a:off x="5691199" y="7189860"/>
+            <a:off x="5691199" y="6808860"/>
             <a:ext cx="9861722" cy="755720"/>
           </a:xfrm>
           <a:prstGeom prst="rect">
@@ -9739,7 +9217,7 @@
         </p:nvSpPr>
         <p:spPr>
           <a:xfrm>
-            <a:off x="10140735" y="5827612"/>
+            <a:off x="10140735" y="5732362"/>
             <a:ext cx="1069008" cy="923330"/>
           </a:xfrm>
           <a:prstGeom prst="rect">
@@ -9810,191 +9288,9 @@
   <p:timing>
     <p:tnLst>
       <p:par>
-        <p:cTn id="1" dur="indefinite" restart="never" nodeType="tmRoot">
-          <p:childTnLst>
-            <p:seq concurrent="1" nextAc="seek">
-              <p:cTn id="2" dur="indefinite" nodeType="mainSeq">
-                <p:childTnLst>
-                  <p:par>
-                    <p:cTn id="3" fill="hold">
-                      <p:stCondLst>
-                        <p:cond delay="indefinite"/>
-                        <p:cond evt="onBegin" delay="0">
-                          <p:tn val="2"/>
-                        </p:cond>
-                      </p:stCondLst>
-                      <p:childTnLst>
-                        <p:par>
-                          <p:cTn id="4" fill="hold">
-                            <p:stCondLst>
-                              <p:cond delay="0"/>
-                            </p:stCondLst>
-                            <p:childTnLst>
-                              <p:par>
-                                <p:cTn id="5" presetID="56" presetClass="entr" presetSubtype="0" fill="hold" grpId="0" nodeType="afterEffect">
-                                  <p:stCondLst>
-                                    <p:cond delay="0"/>
-                                  </p:stCondLst>
-                                  <p:iterate type="lt">
-                                    <p:tmPct val="10000"/>
-                                  </p:iterate>
-                                  <p:childTnLst>
-                                    <p:set>
-                                      <p:cBhvr>
-                                        <p:cTn id="6" dur="1" fill="hold">
-                                          <p:stCondLst>
-                                            <p:cond delay="0"/>
-                                          </p:stCondLst>
-                                        </p:cTn>
-                                        <p:tgtEl>
-                                          <p:spTgt spid="2"/>
-                                        </p:tgtEl>
-                                        <p:attrNameLst>
-                                          <p:attrName>style.visibility</p:attrName>
-                                        </p:attrNameLst>
-                                      </p:cBhvr>
-                                      <p:to>
-                                        <p:strVal val="visible"/>
-                                      </p:to>
-                                    </p:set>
-                                    <p:anim by="(-#ppt_w*2)" calcmode="lin" valueType="num">
-                                      <p:cBhvr rctx="PPT">
-                                        <p:cTn id="7" dur="500" autoRev="1" fill="hold">
-                                          <p:stCondLst>
-                                            <p:cond delay="0"/>
-                                          </p:stCondLst>
-                                        </p:cTn>
-                                        <p:tgtEl>
-                                          <p:spTgt spid="2"/>
-                                        </p:tgtEl>
-                                        <p:attrNameLst>
-                                          <p:attrName>ppt_w</p:attrName>
-                                        </p:attrNameLst>
-                                      </p:cBhvr>
-                                    </p:anim>
-                                    <p:anim by="(#ppt_w*0.50)" calcmode="lin" valueType="num">
-                                      <p:cBhvr>
-                                        <p:cTn id="8" dur="500" decel="50000" autoRev="1" fill="hold">
-                                          <p:stCondLst>
-                                            <p:cond delay="0"/>
-                                          </p:stCondLst>
-                                        </p:cTn>
-                                        <p:tgtEl>
-                                          <p:spTgt spid="2"/>
-                                        </p:tgtEl>
-                                        <p:attrNameLst>
-                                          <p:attrName>ppt_x</p:attrName>
-                                        </p:attrNameLst>
-                                      </p:cBhvr>
-                                    </p:anim>
-                                    <p:anim from="(-#ppt_h/2)" to="(#ppt_y)" calcmode="lin" valueType="num">
-                                      <p:cBhvr>
-                                        <p:cTn id="9" dur="1000" fill="hold">
-                                          <p:stCondLst>
-                                            <p:cond delay="0"/>
-                                          </p:stCondLst>
-                                        </p:cTn>
-                                        <p:tgtEl>
-                                          <p:spTgt spid="2"/>
-                                        </p:tgtEl>
-                                        <p:attrNameLst>
-                                          <p:attrName>ppt_y</p:attrName>
-                                        </p:attrNameLst>
-                                      </p:cBhvr>
-                                    </p:anim>
-                                    <p:animRot by="21600000">
-                                      <p:cBhvr>
-                                        <p:cTn id="10" dur="1000" fill="hold">
-                                          <p:stCondLst>
-                                            <p:cond delay="0"/>
-                                          </p:stCondLst>
-                                        </p:cTn>
-                                        <p:tgtEl>
-                                          <p:spTgt spid="2"/>
-                                        </p:tgtEl>
-                                        <p:attrNameLst>
-                                          <p:attrName>r</p:attrName>
-                                        </p:attrNameLst>
-                                      </p:cBhvr>
-                                    </p:animRot>
-                                  </p:childTnLst>
-                                </p:cTn>
-                              </p:par>
-                            </p:childTnLst>
-                          </p:cTn>
-                        </p:par>
-                        <p:par>
-                          <p:cTn id="11" fill="hold">
-                            <p:stCondLst>
-                              <p:cond delay="2400"/>
-                            </p:stCondLst>
-                            <p:childTnLst>
-                              <p:par>
-                                <p:cTn id="12" presetID="14" presetClass="entr" presetSubtype="10" fill="hold" grpId="0" nodeType="afterEffect">
-                                  <p:stCondLst>
-                                    <p:cond delay="0"/>
-                                  </p:stCondLst>
-                                  <p:childTnLst>
-                                    <p:set>
-                                      <p:cBhvr>
-                                        <p:cTn id="13" dur="1" fill="hold">
-                                          <p:stCondLst>
-                                            <p:cond delay="0"/>
-                                          </p:stCondLst>
-                                        </p:cTn>
-                                        <p:tgtEl>
-                                          <p:spTgt spid="3"/>
-                                        </p:tgtEl>
-                                        <p:attrNameLst>
-                                          <p:attrName>style.visibility</p:attrName>
-                                        </p:attrNameLst>
-                                      </p:cBhvr>
-                                      <p:to>
-                                        <p:strVal val="visible"/>
-                                      </p:to>
-                                    </p:set>
-                                    <p:animEffect transition="in" filter="randombar(horizontal)">
-                                      <p:cBhvr>
-                                        <p:cTn id="14" dur="500"/>
-                                        <p:tgtEl>
-                                          <p:spTgt spid="3"/>
-                                        </p:tgtEl>
-                                      </p:cBhvr>
-                                    </p:animEffect>
-                                  </p:childTnLst>
-                                </p:cTn>
-                              </p:par>
-                            </p:childTnLst>
-                          </p:cTn>
-                        </p:par>
-                      </p:childTnLst>
-                    </p:cTn>
-                  </p:par>
-                </p:childTnLst>
-              </p:cTn>
-              <p:prevCondLst>
-                <p:cond evt="onPrev" delay="0">
-                  <p:tgtEl>
-                    <p:sldTgt/>
-                  </p:tgtEl>
-                </p:cond>
-              </p:prevCondLst>
-              <p:nextCondLst>
-                <p:cond evt="onNext" delay="0">
-                  <p:tgtEl>
-                    <p:sldTgt/>
-                  </p:tgtEl>
-                </p:cond>
-              </p:nextCondLst>
-            </p:seq>
-          </p:childTnLst>
-        </p:cTn>
+        <p:cTn id="1" dur="indefinite" restart="never" nodeType="tmRoot"/>
       </p:par>
     </p:tnLst>
-    <p:bldLst>
-      <p:bldP spid="2" grpId="0"/>
-      <p:bldP spid="3" grpId="0"/>
-    </p:bldLst>
   </p:timing>
 </p:sld>
 </file>
@@ -15113,7 +14409,7 @@
         </p:nvSpPr>
         <p:spPr bwMode="auto">
           <a:xfrm>
-            <a:off x="5691199" y="7951860"/>
+            <a:off x="5691199" y="6808860"/>
             <a:ext cx="9861722" cy="755720"/>
           </a:xfrm>
           <a:prstGeom prst="rect">
@@ -15221,7 +14517,7 @@
         </p:nvSpPr>
         <p:spPr>
           <a:xfrm>
-            <a:off x="10140735" y="6932512"/>
+            <a:off x="10140735" y="5732362"/>
             <a:ext cx="1069008" cy="923330"/>
           </a:xfrm>
           <a:prstGeom prst="rect">
@@ -15270,7 +14566,7 @@
     </p:spTree>
     <p:extLst>
       <p:ext uri="{BB962C8B-B14F-4D97-AF65-F5344CB8AC3E}">
-        <p14:creationId xmlns:p14="http://schemas.microsoft.com/office/powerpoint/2010/main" val="2499081334"/>
+        <p14:creationId xmlns:p14="http://schemas.microsoft.com/office/powerpoint/2010/main" val="2652292360"/>
       </p:ext>
     </p:extLst>
   </p:cSld>
@@ -15292,191 +14588,9 @@
   <p:timing>
     <p:tnLst>
       <p:par>
-        <p:cTn id="1" dur="indefinite" restart="never" nodeType="tmRoot">
-          <p:childTnLst>
-            <p:seq concurrent="1" nextAc="seek">
-              <p:cTn id="2" dur="indefinite" nodeType="mainSeq">
-                <p:childTnLst>
-                  <p:par>
-                    <p:cTn id="3" fill="hold">
-                      <p:stCondLst>
-                        <p:cond delay="indefinite"/>
-                        <p:cond evt="onBegin" delay="0">
-                          <p:tn val="2"/>
-                        </p:cond>
-                      </p:stCondLst>
-                      <p:childTnLst>
-                        <p:par>
-                          <p:cTn id="4" fill="hold">
-                            <p:stCondLst>
-                              <p:cond delay="0"/>
-                            </p:stCondLst>
-                            <p:childTnLst>
-                              <p:par>
-                                <p:cTn id="5" presetID="56" presetClass="entr" presetSubtype="0" fill="hold" grpId="0" nodeType="afterEffect">
-                                  <p:stCondLst>
-                                    <p:cond delay="0"/>
-                                  </p:stCondLst>
-                                  <p:iterate type="lt">
-                                    <p:tmPct val="10000"/>
-                                  </p:iterate>
-                                  <p:childTnLst>
-                                    <p:set>
-                                      <p:cBhvr>
-                                        <p:cTn id="6" dur="1" fill="hold">
-                                          <p:stCondLst>
-                                            <p:cond delay="0"/>
-                                          </p:stCondLst>
-                                        </p:cTn>
-                                        <p:tgtEl>
-                                          <p:spTgt spid="2"/>
-                                        </p:tgtEl>
-                                        <p:attrNameLst>
-                                          <p:attrName>style.visibility</p:attrName>
-                                        </p:attrNameLst>
-                                      </p:cBhvr>
-                                      <p:to>
-                                        <p:strVal val="visible"/>
-                                      </p:to>
-                                    </p:set>
-                                    <p:anim by="(-#ppt_w*2)" calcmode="lin" valueType="num">
-                                      <p:cBhvr rctx="PPT">
-                                        <p:cTn id="7" dur="500" autoRev="1" fill="hold">
-                                          <p:stCondLst>
-                                            <p:cond delay="0"/>
-                                          </p:stCondLst>
-                                        </p:cTn>
-                                        <p:tgtEl>
-                                          <p:spTgt spid="2"/>
-                                        </p:tgtEl>
-                                        <p:attrNameLst>
-                                          <p:attrName>ppt_w</p:attrName>
-                                        </p:attrNameLst>
-                                      </p:cBhvr>
-                                    </p:anim>
-                                    <p:anim by="(#ppt_w*0.50)" calcmode="lin" valueType="num">
-                                      <p:cBhvr>
-                                        <p:cTn id="8" dur="500" decel="50000" autoRev="1" fill="hold">
-                                          <p:stCondLst>
-                                            <p:cond delay="0"/>
-                                          </p:stCondLst>
-                                        </p:cTn>
-                                        <p:tgtEl>
-                                          <p:spTgt spid="2"/>
-                                        </p:tgtEl>
-                                        <p:attrNameLst>
-                                          <p:attrName>ppt_x</p:attrName>
-                                        </p:attrNameLst>
-                                      </p:cBhvr>
-                                    </p:anim>
-                                    <p:anim from="(-#ppt_h/2)" to="(#ppt_y)" calcmode="lin" valueType="num">
-                                      <p:cBhvr>
-                                        <p:cTn id="9" dur="1000" fill="hold">
-                                          <p:stCondLst>
-                                            <p:cond delay="0"/>
-                                          </p:stCondLst>
-                                        </p:cTn>
-                                        <p:tgtEl>
-                                          <p:spTgt spid="2"/>
-                                        </p:tgtEl>
-                                        <p:attrNameLst>
-                                          <p:attrName>ppt_y</p:attrName>
-                                        </p:attrNameLst>
-                                      </p:cBhvr>
-                                    </p:anim>
-                                    <p:animRot by="21600000">
-                                      <p:cBhvr>
-                                        <p:cTn id="10" dur="1000" fill="hold">
-                                          <p:stCondLst>
-                                            <p:cond delay="0"/>
-                                          </p:stCondLst>
-                                        </p:cTn>
-                                        <p:tgtEl>
-                                          <p:spTgt spid="2"/>
-                                        </p:tgtEl>
-                                        <p:attrNameLst>
-                                          <p:attrName>r</p:attrName>
-                                        </p:attrNameLst>
-                                      </p:cBhvr>
-                                    </p:animRot>
-                                  </p:childTnLst>
-                                </p:cTn>
-                              </p:par>
-                            </p:childTnLst>
-                          </p:cTn>
-                        </p:par>
-                        <p:par>
-                          <p:cTn id="11" fill="hold">
-                            <p:stCondLst>
-                              <p:cond delay="2200"/>
-                            </p:stCondLst>
-                            <p:childTnLst>
-                              <p:par>
-                                <p:cTn id="12" presetID="14" presetClass="entr" presetSubtype="10" fill="hold" grpId="0" nodeType="afterEffect">
-                                  <p:stCondLst>
-                                    <p:cond delay="0"/>
-                                  </p:stCondLst>
-                                  <p:childTnLst>
-                                    <p:set>
-                                      <p:cBhvr>
-                                        <p:cTn id="13" dur="1" fill="hold">
-                                          <p:stCondLst>
-                                            <p:cond delay="0"/>
-                                          </p:stCondLst>
-                                        </p:cTn>
-                                        <p:tgtEl>
-                                          <p:spTgt spid="3"/>
-                                        </p:tgtEl>
-                                        <p:attrNameLst>
-                                          <p:attrName>style.visibility</p:attrName>
-                                        </p:attrNameLst>
-                                      </p:cBhvr>
-                                      <p:to>
-                                        <p:strVal val="visible"/>
-                                      </p:to>
-                                    </p:set>
-                                    <p:animEffect transition="in" filter="randombar(horizontal)">
-                                      <p:cBhvr>
-                                        <p:cTn id="14" dur="500"/>
-                                        <p:tgtEl>
-                                          <p:spTgt spid="3"/>
-                                        </p:tgtEl>
-                                      </p:cBhvr>
-                                    </p:animEffect>
-                                  </p:childTnLst>
-                                </p:cTn>
-                              </p:par>
-                            </p:childTnLst>
-                          </p:cTn>
-                        </p:par>
-                      </p:childTnLst>
-                    </p:cTn>
-                  </p:par>
-                </p:childTnLst>
-              </p:cTn>
-              <p:prevCondLst>
-                <p:cond evt="onPrev" delay="0">
-                  <p:tgtEl>
-                    <p:sldTgt/>
-                  </p:tgtEl>
-                </p:cond>
-              </p:prevCondLst>
-              <p:nextCondLst>
-                <p:cond evt="onNext" delay="0">
-                  <p:tgtEl>
-                    <p:sldTgt/>
-                  </p:tgtEl>
-                </p:cond>
-              </p:nextCondLst>
-            </p:seq>
-          </p:childTnLst>
-        </p:cTn>
+        <p:cTn id="1" dur="indefinite" restart="never" nodeType="tmRoot"/>
       </p:par>
     </p:tnLst>
-    <p:bldLst>
-      <p:bldP spid="2" grpId="0"/>
-      <p:bldP spid="3" grpId="0"/>
-    </p:bldLst>
   </p:timing>
 </p:sld>
 </file>
@@ -16903,11 +16017,7 @@
             </a:r>
             <a:r>
               <a:rPr lang="en-US" b="1" dirty="0" smtClean="0"/>
-              <a:t> </a:t>
-            </a:r>
-            <a:r>
-              <a:rPr lang="en-US" b="1" dirty="0" smtClean="0"/>
-              <a:t>(Investors)</a:t>
+              <a:t> (Investors)</a:t>
             </a:r>
             <a:endParaRPr lang="en-US" b="1" dirty="0"/>
           </a:p>
@@ -21173,7 +20283,7 @@
         </p:nvSpPr>
         <p:spPr bwMode="auto">
           <a:xfrm>
-            <a:off x="5691199" y="7266060"/>
+            <a:off x="5691199" y="6808860"/>
             <a:ext cx="9861722" cy="755720"/>
           </a:xfrm>
           <a:prstGeom prst="rect">
@@ -21281,7 +20391,7 @@
         </p:nvSpPr>
         <p:spPr>
           <a:xfrm>
-            <a:off x="10140735" y="5827612"/>
+            <a:off x="10140735" y="5732362"/>
             <a:ext cx="1069008" cy="923330"/>
           </a:xfrm>
           <a:prstGeom prst="rect">
@@ -21330,7 +20440,7 @@
     </p:spTree>
     <p:extLst>
       <p:ext uri="{BB962C8B-B14F-4D97-AF65-F5344CB8AC3E}">
-        <p14:creationId xmlns:p14="http://schemas.microsoft.com/office/powerpoint/2010/main" val="3944553213"/>
+        <p14:creationId xmlns:p14="http://schemas.microsoft.com/office/powerpoint/2010/main" val="2400007056"/>
       </p:ext>
     </p:extLst>
   </p:cSld>
@@ -21352,191 +20462,9 @@
   <p:timing>
     <p:tnLst>
       <p:par>
-        <p:cTn id="1" dur="indefinite" restart="never" nodeType="tmRoot">
-          <p:childTnLst>
-            <p:seq concurrent="1" nextAc="seek">
-              <p:cTn id="2" dur="indefinite" nodeType="mainSeq">
-                <p:childTnLst>
-                  <p:par>
-                    <p:cTn id="3" fill="hold">
-                      <p:stCondLst>
-                        <p:cond delay="indefinite"/>
-                        <p:cond evt="onBegin" delay="0">
-                          <p:tn val="2"/>
-                        </p:cond>
-                      </p:stCondLst>
-                      <p:childTnLst>
-                        <p:par>
-                          <p:cTn id="4" fill="hold">
-                            <p:stCondLst>
-                              <p:cond delay="0"/>
-                            </p:stCondLst>
-                            <p:childTnLst>
-                              <p:par>
-                                <p:cTn id="5" presetID="56" presetClass="entr" presetSubtype="0" fill="hold" grpId="0" nodeType="afterEffect">
-                                  <p:stCondLst>
-                                    <p:cond delay="0"/>
-                                  </p:stCondLst>
-                                  <p:iterate type="lt">
-                                    <p:tmPct val="10000"/>
-                                  </p:iterate>
-                                  <p:childTnLst>
-                                    <p:set>
-                                      <p:cBhvr>
-                                        <p:cTn id="6" dur="1" fill="hold">
-                                          <p:stCondLst>
-                                            <p:cond delay="0"/>
-                                          </p:stCondLst>
-                                        </p:cTn>
-                                        <p:tgtEl>
-                                          <p:spTgt spid="2"/>
-                                        </p:tgtEl>
-                                        <p:attrNameLst>
-                                          <p:attrName>style.visibility</p:attrName>
-                                        </p:attrNameLst>
-                                      </p:cBhvr>
-                                      <p:to>
-                                        <p:strVal val="visible"/>
-                                      </p:to>
-                                    </p:set>
-                                    <p:anim by="(-#ppt_w*2)" calcmode="lin" valueType="num">
-                                      <p:cBhvr rctx="PPT">
-                                        <p:cTn id="7" dur="500" autoRev="1" fill="hold">
-                                          <p:stCondLst>
-                                            <p:cond delay="0"/>
-                                          </p:stCondLst>
-                                        </p:cTn>
-                                        <p:tgtEl>
-                                          <p:spTgt spid="2"/>
-                                        </p:tgtEl>
-                                        <p:attrNameLst>
-                                          <p:attrName>ppt_w</p:attrName>
-                                        </p:attrNameLst>
-                                      </p:cBhvr>
-                                    </p:anim>
-                                    <p:anim by="(#ppt_w*0.50)" calcmode="lin" valueType="num">
-                                      <p:cBhvr>
-                                        <p:cTn id="8" dur="500" decel="50000" autoRev="1" fill="hold">
-                                          <p:stCondLst>
-                                            <p:cond delay="0"/>
-                                          </p:stCondLst>
-                                        </p:cTn>
-                                        <p:tgtEl>
-                                          <p:spTgt spid="2"/>
-                                        </p:tgtEl>
-                                        <p:attrNameLst>
-                                          <p:attrName>ppt_x</p:attrName>
-                                        </p:attrNameLst>
-                                      </p:cBhvr>
-                                    </p:anim>
-                                    <p:anim from="(-#ppt_h/2)" to="(#ppt_y)" calcmode="lin" valueType="num">
-                                      <p:cBhvr>
-                                        <p:cTn id="9" dur="1000" fill="hold">
-                                          <p:stCondLst>
-                                            <p:cond delay="0"/>
-                                          </p:stCondLst>
-                                        </p:cTn>
-                                        <p:tgtEl>
-                                          <p:spTgt spid="2"/>
-                                        </p:tgtEl>
-                                        <p:attrNameLst>
-                                          <p:attrName>ppt_y</p:attrName>
-                                        </p:attrNameLst>
-                                      </p:cBhvr>
-                                    </p:anim>
-                                    <p:animRot by="21600000">
-                                      <p:cBhvr>
-                                        <p:cTn id="10" dur="1000" fill="hold">
-                                          <p:stCondLst>
-                                            <p:cond delay="0"/>
-                                          </p:stCondLst>
-                                        </p:cTn>
-                                        <p:tgtEl>
-                                          <p:spTgt spid="2"/>
-                                        </p:tgtEl>
-                                        <p:attrNameLst>
-                                          <p:attrName>r</p:attrName>
-                                        </p:attrNameLst>
-                                      </p:cBhvr>
-                                    </p:animRot>
-                                  </p:childTnLst>
-                                </p:cTn>
-                              </p:par>
-                            </p:childTnLst>
-                          </p:cTn>
-                        </p:par>
-                        <p:par>
-                          <p:cTn id="11" fill="hold">
-                            <p:stCondLst>
-                              <p:cond delay="2200"/>
-                            </p:stCondLst>
-                            <p:childTnLst>
-                              <p:par>
-                                <p:cTn id="12" presetID="14" presetClass="entr" presetSubtype="10" fill="hold" grpId="0" nodeType="afterEffect">
-                                  <p:stCondLst>
-                                    <p:cond delay="0"/>
-                                  </p:stCondLst>
-                                  <p:childTnLst>
-                                    <p:set>
-                                      <p:cBhvr>
-                                        <p:cTn id="13" dur="1" fill="hold">
-                                          <p:stCondLst>
-                                            <p:cond delay="0"/>
-                                          </p:stCondLst>
-                                        </p:cTn>
-                                        <p:tgtEl>
-                                          <p:spTgt spid="3"/>
-                                        </p:tgtEl>
-                                        <p:attrNameLst>
-                                          <p:attrName>style.visibility</p:attrName>
-                                        </p:attrNameLst>
-                                      </p:cBhvr>
-                                      <p:to>
-                                        <p:strVal val="visible"/>
-                                      </p:to>
-                                    </p:set>
-                                    <p:animEffect transition="in" filter="randombar(horizontal)">
-                                      <p:cBhvr>
-                                        <p:cTn id="14" dur="500"/>
-                                        <p:tgtEl>
-                                          <p:spTgt spid="3"/>
-                                        </p:tgtEl>
-                                      </p:cBhvr>
-                                    </p:animEffect>
-                                  </p:childTnLst>
-                                </p:cTn>
-                              </p:par>
-                            </p:childTnLst>
-                          </p:cTn>
-                        </p:par>
-                      </p:childTnLst>
-                    </p:cTn>
-                  </p:par>
-                </p:childTnLst>
-              </p:cTn>
-              <p:prevCondLst>
-                <p:cond evt="onPrev" delay="0">
-                  <p:tgtEl>
-                    <p:sldTgt/>
-                  </p:tgtEl>
-                </p:cond>
-              </p:prevCondLst>
-              <p:nextCondLst>
-                <p:cond evt="onNext" delay="0">
-                  <p:tgtEl>
-                    <p:sldTgt/>
-                  </p:tgtEl>
-                </p:cond>
-              </p:nextCondLst>
-            </p:seq>
-          </p:childTnLst>
-        </p:cTn>
+        <p:cTn id="1" dur="indefinite" restart="never" nodeType="tmRoot"/>
       </p:par>
     </p:tnLst>
-    <p:bldLst>
-      <p:bldP spid="2" grpId="0"/>
-      <p:bldP spid="3" grpId="0"/>
-    </p:bldLst>
   </p:timing>
 </p:sld>
 </file>
